--- a/Proyect/slides/Avance_1.pptx
+++ b/Proyect/slides/Avance_1.pptx
@@ -7,9 +7,11 @@
   <p:sldIdLst>
     <p:sldId id="256" r:id="rId2"/>
     <p:sldId id="258" r:id="rId3"/>
-    <p:sldId id="260" r:id="rId4"/>
-    <p:sldId id="261" r:id="rId5"/>
-    <p:sldId id="259" r:id="rId6"/>
+    <p:sldId id="259" r:id="rId4"/>
+    <p:sldId id="260" r:id="rId5"/>
+    <p:sldId id="261" r:id="rId6"/>
+    <p:sldId id="262" r:id="rId7"/>
+    <p:sldId id="263" r:id="rId8"/>
   </p:sldIdLst>
   <p:sldSz cx="12192000" cy="6858000"/>
   <p:notesSz cx="6858000" cy="9144000"/>
@@ -108,6 +110,11 @@
       </a:defRPr>
     </a:lvl9pPr>
   </p:defaultTextStyle>
+  <p:extLst>
+    <p:ext uri="{EFAFB233-063F-42B5-8137-9DF3F51BA10A}">
+      <p15:sldGuideLst xmlns:p15="http://schemas.microsoft.com/office/powerpoint/2012/main"/>
+    </p:ext>
+  </p:extLst>
 </p:presentation>
 </file>
 
@@ -4058,6 +4065,9 @@
   <p:clrMapOvr>
     <a:masterClrMapping/>
   </p:clrMapOvr>
+  <p:transition spd="slow">
+    <p:wipe/>
+  </p:transition>
 </p:sld>
 </file>
 
@@ -4208,10 +4218,185 @@
   <p:clrMapOvr>
     <a:masterClrMapping/>
   </p:clrMapOvr>
+  <p:transition spd="slow">
+    <p:wipe/>
+  </p:transition>
 </p:sld>
 </file>
 
 <file path=ppt/slides/slide3.xml><?xml version="1.0" encoding="utf-8"?>
+<p:sld xmlns:a="http://schemas.openxmlformats.org/drawingml/2006/main" xmlns:r="http://schemas.openxmlformats.org/officeDocument/2006/relationships" xmlns:p="http://schemas.openxmlformats.org/presentationml/2006/main">
+  <p:cSld>
+    <p:spTree>
+      <p:nvGrpSpPr>
+        <p:cNvPr id="1" name=""/>
+        <p:cNvGrpSpPr/>
+        <p:nvPr/>
+      </p:nvGrpSpPr>
+      <p:grpSpPr>
+        <a:xfrm>
+          <a:off x="0" y="0"/>
+          <a:ext cx="0" cy="0"/>
+          <a:chOff x="0" y="0"/>
+          <a:chExt cx="0" cy="0"/>
+        </a:xfrm>
+      </p:grpSpPr>
+      <p:sp>
+        <p:nvSpPr>
+          <p:cNvPr id="2" name="Title 1">
+            <a:extLst>
+              <a:ext uri="{FF2B5EF4-FFF2-40B4-BE49-F238E27FC236}">
+                <a16:creationId xmlns:a16="http://schemas.microsoft.com/office/drawing/2014/main" id="{AC095E59-B904-5940-8AA4-47968B43808E}"/>
+              </a:ext>
+            </a:extLst>
+          </p:cNvPr>
+          <p:cNvSpPr>
+            <a:spLocks noGrp="1"/>
+          </p:cNvSpPr>
+          <p:nvPr>
+            <p:ph type="title"/>
+          </p:nvPr>
+        </p:nvSpPr>
+        <p:spPr/>
+        <p:txBody>
+          <a:bodyPr>
+            <a:normAutofit/>
+          </a:bodyPr>
+          <a:lstStyle/>
+          <a:p>
+            <a:r>
+              <a:rPr lang="en-US" dirty="0"/>
+              <a:t>Are tasks with fewer neighboring deliveries* taking longer to reach their delivery point?</a:t>
+            </a:r>
+          </a:p>
+        </p:txBody>
+      </p:sp>
+      <p:sp>
+        <p:nvSpPr>
+          <p:cNvPr id="3" name="Content Placeholder 2">
+            <a:extLst>
+              <a:ext uri="{FF2B5EF4-FFF2-40B4-BE49-F238E27FC236}">
+                <a16:creationId xmlns:a16="http://schemas.microsoft.com/office/drawing/2014/main" id="{81F3DA29-C248-0340-9528-B75F292A31A4}"/>
+              </a:ext>
+            </a:extLst>
+          </p:cNvPr>
+          <p:cNvSpPr>
+            <a:spLocks noGrp="1"/>
+          </p:cNvSpPr>
+          <p:nvPr>
+            <p:ph idx="1"/>
+          </p:nvPr>
+        </p:nvSpPr>
+        <p:spPr>
+          <a:xfrm>
+            <a:off x="838200" y="1825625"/>
+            <a:ext cx="10515600" cy="3606346"/>
+          </a:xfrm>
+        </p:spPr>
+        <p:txBody>
+          <a:bodyPr>
+            <a:normAutofit/>
+          </a:bodyPr>
+          <a:lstStyle/>
+          <a:p>
+            <a:pPr marL="0" indent="0">
+              <a:buNone/>
+            </a:pPr>
+            <a:r>
+              <a:rPr lang="en-US" sz="2200" dirty="0"/>
+              <a:t>To carry out this analysis we first have to determine what would be the time window (hours) and radius (kilometers) around a task to be used. For this we analyzed </a:t>
+            </a:r>
+            <a:r>
+              <a:rPr lang="en-US" sz="2200"/>
+              <a:t>the distance </a:t>
+            </a:r>
+            <a:r>
+              <a:rPr lang="en-US" sz="2200" dirty="0"/>
+              <a:t>and average time difference of a route in the delivery path, from the first package to the last one. The following results were obtained:</a:t>
+            </a:r>
+          </a:p>
+          <a:p>
+            <a:r>
+              <a:rPr lang="en-US" sz="2200" dirty="0"/>
+              <a:t>Mean time: 3.12 hours</a:t>
+            </a:r>
+          </a:p>
+          <a:p>
+            <a:r>
+              <a:rPr lang="en-US" sz="2200" dirty="0"/>
+              <a:t>Mean distance: 3.20 Km.</a:t>
+            </a:r>
+            <a:endParaRPr lang="en-EC" sz="2200" dirty="0"/>
+          </a:p>
+        </p:txBody>
+      </p:sp>
+      <p:sp>
+        <p:nvSpPr>
+          <p:cNvPr id="4" name="TextBox 3">
+            <a:extLst>
+              <a:ext uri="{FF2B5EF4-FFF2-40B4-BE49-F238E27FC236}">
+                <a16:creationId xmlns:a16="http://schemas.microsoft.com/office/drawing/2014/main" id="{F80B3516-A1CC-3246-9D7F-BBE49C891D60}"/>
+              </a:ext>
+            </a:extLst>
+          </p:cNvPr>
+          <p:cNvSpPr txBox="1"/>
+          <p:nvPr/>
+        </p:nvSpPr>
+        <p:spPr>
+          <a:xfrm>
+            <a:off x="838200" y="5889171"/>
+            <a:ext cx="10515600" cy="523220"/>
+          </a:xfrm>
+          <a:prstGeom prst="rect">
+            <a:avLst/>
+          </a:prstGeom>
+          <a:noFill/>
+        </p:spPr>
+        <p:txBody>
+          <a:bodyPr wrap="square" rtlCol="0">
+            <a:spAutoFit/>
+          </a:bodyPr>
+          <a:lstStyle/>
+          <a:p>
+            <a:r>
+              <a:rPr lang="en-US" sz="1400" dirty="0">
+                <a:solidFill>
+                  <a:schemeClr val="tx1">
+                    <a:lumMod val="75000"/>
+                    <a:lumOff val="25000"/>
+                  </a:schemeClr>
+                </a:solidFill>
+              </a:rPr>
+              <a:t>* We define neighboring deliveries as all those deliveries that are less than or equal to X Km away from the same and their delivery date is within T hours of the same.</a:t>
+            </a:r>
+            <a:endParaRPr lang="en-EC" sz="1400" dirty="0">
+              <a:solidFill>
+                <a:schemeClr val="tx1">
+                  <a:lumMod val="75000"/>
+                  <a:lumOff val="25000"/>
+                </a:schemeClr>
+              </a:solidFill>
+            </a:endParaRPr>
+          </a:p>
+        </p:txBody>
+      </p:sp>
+    </p:spTree>
+    <p:extLst>
+      <p:ext uri="{BB962C8B-B14F-4D97-AF65-F5344CB8AC3E}">
+        <p14:creationId xmlns:p14="http://schemas.microsoft.com/office/powerpoint/2010/main" val="1113273334"/>
+      </p:ext>
+    </p:extLst>
+  </p:cSld>
+  <p:clrMapOvr>
+    <a:masterClrMapping/>
+  </p:clrMapOvr>
+  <p:transition spd="slow">
+    <p:wipe/>
+  </p:transition>
+</p:sld>
+</file>
+
+<file path=ppt/slides/slide4.xml><?xml version="1.0" encoding="utf-8"?>
 <p:sld xmlns:a="http://schemas.openxmlformats.org/drawingml/2006/main" xmlns:r="http://schemas.openxmlformats.org/officeDocument/2006/relationships" xmlns:p="http://schemas.openxmlformats.org/presentationml/2006/main">
   <p:cSld>
     <p:spTree>
@@ -4356,10 +4541,13 @@
   <p:clrMapOvr>
     <a:masterClrMapping/>
   </p:clrMapOvr>
+  <p:transition spd="slow">
+    <p:wipe/>
+  </p:transition>
 </p:sld>
 </file>
 
-<file path=ppt/slides/slide4.xml><?xml version="1.0" encoding="utf-8"?>
+<file path=ppt/slides/slide5.xml><?xml version="1.0" encoding="utf-8"?>
 <p:sld xmlns:a="http://schemas.openxmlformats.org/drawingml/2006/main" xmlns:r="http://schemas.openxmlformats.org/officeDocument/2006/relationships" xmlns:p="http://schemas.openxmlformats.org/presentationml/2006/main">
   <p:cSld>
     <p:spTree>
@@ -4504,10 +4692,13 @@
   <p:clrMapOvr>
     <a:masterClrMapping/>
   </p:clrMapOvr>
+  <p:transition spd="slow">
+    <p:wipe/>
+  </p:transition>
 </p:sld>
 </file>
 
-<file path=ppt/slides/slide5.xml><?xml version="1.0" encoding="utf-8"?>
+<file path=ppt/slides/slide6.xml><?xml version="1.0" encoding="utf-8"?>
 <p:sld xmlns:a="http://schemas.openxmlformats.org/drawingml/2006/main" xmlns:r="http://schemas.openxmlformats.org/officeDocument/2006/relationships" xmlns:p="http://schemas.openxmlformats.org/presentationml/2006/main">
   <p:cSld>
     <p:spTree>
@@ -4529,7 +4720,7 @@
           <p:cNvPr id="2" name="Title 1">
             <a:extLst>
               <a:ext uri="{FF2B5EF4-FFF2-40B4-BE49-F238E27FC236}">
-                <a16:creationId xmlns:a16="http://schemas.microsoft.com/office/drawing/2014/main" id="{AC095E59-B904-5940-8AA4-47968B43808E}"/>
+                <a16:creationId xmlns:a16="http://schemas.microsoft.com/office/drawing/2014/main" id="{E3A5A523-6296-444A-81DA-F099C31A22F2}"/>
               </a:ext>
             </a:extLst>
           </p:cNvPr>
@@ -4542,108 +4733,595 @@
         </p:nvSpPr>
         <p:spPr/>
         <p:txBody>
-          <a:bodyPr>
-            <a:normAutofit/>
-          </a:bodyPr>
+          <a:bodyPr/>
           <a:lstStyle/>
           <a:p>
             <a:r>
               <a:rPr lang="en-US" dirty="0"/>
-              <a:t>Are tasks with fewer neighboring deliveries* taking longer to reach their delivery point?</a:t>
-            </a:r>
-          </a:p>
-        </p:txBody>
-      </p:sp>
-      <p:sp>
-        <p:nvSpPr>
-          <p:cNvPr id="3" name="Content Placeholder 2">
-            <a:extLst>
-              <a:ext uri="{FF2B5EF4-FFF2-40B4-BE49-F238E27FC236}">
-                <a16:creationId xmlns:a16="http://schemas.microsoft.com/office/drawing/2014/main" id="{81F3DA29-C248-0340-9528-B75F292A31A4}"/>
-              </a:ext>
-            </a:extLst>
-          </p:cNvPr>
-          <p:cNvSpPr>
-            <a:spLocks noGrp="1"/>
-          </p:cNvSpPr>
+              <a:t>Responding to the question about neighboring deliveries</a:t>
+            </a:r>
+            <a:endParaRPr lang="en-EC" dirty="0"/>
+          </a:p>
+        </p:txBody>
+      </p:sp>
+      <p:pic>
+        <p:nvPicPr>
+          <p:cNvPr id="5" name="Content Placeholder 4" descr="Chart, bar chart&#10;&#10;Description automatically generated">
+            <a:extLst>
+              <a:ext uri="{FF2B5EF4-FFF2-40B4-BE49-F238E27FC236}">
+                <a16:creationId xmlns:a16="http://schemas.microsoft.com/office/drawing/2014/main" id="{197A5223-E8A7-E747-B4A6-458A0762B576}"/>
+              </a:ext>
+            </a:extLst>
+          </p:cNvPr>
+          <p:cNvPicPr>
+            <a:picLocks noGrp="1" noChangeAspect="1"/>
+          </p:cNvPicPr>
           <p:nvPr>
             <p:ph idx="1"/>
           </p:nvPr>
-        </p:nvSpPr>
+        </p:nvPicPr>
+        <p:blipFill>
+          <a:blip r:embed="rId2"/>
+          <a:stretch>
+            <a:fillRect/>
+          </a:stretch>
+        </p:blipFill>
         <p:spPr>
           <a:xfrm>
-            <a:off x="6096000" y="1825625"/>
-            <a:ext cx="5257800" cy="3606346"/>
+            <a:off x="428746" y="1847397"/>
+            <a:ext cx="6224070" cy="3751264"/>
           </a:xfrm>
         </p:spPr>
-        <p:txBody>
-          <a:bodyPr/>
-          <a:lstStyle/>
-          <a:p>
-            <a:endParaRPr lang="en-EC" dirty="0"/>
-          </a:p>
-        </p:txBody>
-      </p:sp>
-      <p:sp>
-        <p:nvSpPr>
-          <p:cNvPr id="4" name="TextBox 3">
-            <a:extLst>
-              <a:ext uri="{FF2B5EF4-FFF2-40B4-BE49-F238E27FC236}">
-                <a16:creationId xmlns:a16="http://schemas.microsoft.com/office/drawing/2014/main" id="{F80B3516-A1CC-3246-9D7F-BBE49C891D60}"/>
-              </a:ext>
-            </a:extLst>
-          </p:cNvPr>
-          <p:cNvSpPr txBox="1"/>
+      </p:pic>
+      <p:sp>
+        <p:nvSpPr>
+          <p:cNvPr id="6" name="Content Placeholder 2">
+            <a:extLst>
+              <a:ext uri="{FF2B5EF4-FFF2-40B4-BE49-F238E27FC236}">
+                <a16:creationId xmlns:a16="http://schemas.microsoft.com/office/drawing/2014/main" id="{8A39CC90-2D2B-9844-8202-765473CAD73F}"/>
+              </a:ext>
+            </a:extLst>
+          </p:cNvPr>
+          <p:cNvSpPr txBox="1">
+            <a:spLocks/>
+          </p:cNvSpPr>
           <p:nvPr/>
         </p:nvSpPr>
         <p:spPr>
           <a:xfrm>
-            <a:off x="6096000" y="5889171"/>
-            <a:ext cx="5257800" cy="738664"/>
+            <a:off x="7021286" y="1847397"/>
+            <a:ext cx="4332514" cy="4351338"/>
           </a:xfrm>
           <a:prstGeom prst="rect">
             <a:avLst/>
           </a:prstGeom>
-          <a:noFill/>
         </p:spPr>
         <p:txBody>
-          <a:bodyPr wrap="square" rtlCol="0">
-            <a:spAutoFit/>
+          <a:bodyPr vert="horz" lIns="91440" tIns="45720" rIns="91440" bIns="45720" rtlCol="0">
+            <a:normAutofit/>
           </a:bodyPr>
-          <a:lstStyle/>
-          <a:p>
-            <a:r>
-              <a:rPr lang="en-US" sz="1400" dirty="0">
+          <a:lstStyle>
+            <a:lvl1pPr marL="228600" indent="-228600" algn="l" defTabSz="914400" rtl="0" eaLnBrk="1" latinLnBrk="0" hangingPunct="1">
+              <a:lnSpc>
+                <a:spcPct val="90000"/>
+              </a:lnSpc>
+              <a:spcBef>
+                <a:spcPts val="1000"/>
+              </a:spcBef>
+              <a:buFont typeface="Arial" panose="020B0604020202020204" pitchFamily="34" charset="0"/>
+              <a:buChar char="•"/>
+              <a:defRPr sz="2800" kern="1200">
                 <a:solidFill>
                   <a:schemeClr val="tx1">
                     <a:lumMod val="75000"/>
                     <a:lumOff val="25000"/>
                   </a:schemeClr>
                 </a:solidFill>
-              </a:rPr>
-              <a:t>* We define neighboring deliveries as all those deliveries that are less than or equal to X KM away from the same and their delivery date is within T hours of the same.</a:t>
-            </a:r>
-            <a:endParaRPr lang="en-EC" sz="1400" dirty="0">
-              <a:solidFill>
-                <a:schemeClr val="tx1">
-                  <a:lumMod val="75000"/>
-                  <a:lumOff val="25000"/>
-                </a:schemeClr>
-              </a:solidFill>
-            </a:endParaRPr>
+                <a:latin typeface="+mn-lt"/>
+                <a:ea typeface="+mn-ea"/>
+                <a:cs typeface="+mn-cs"/>
+              </a:defRPr>
+            </a:lvl1pPr>
+            <a:lvl2pPr marL="685800" indent="-228600" algn="l" defTabSz="914400" rtl="0" eaLnBrk="1" latinLnBrk="0" hangingPunct="1">
+              <a:lnSpc>
+                <a:spcPct val="90000"/>
+              </a:lnSpc>
+              <a:spcBef>
+                <a:spcPts val="500"/>
+              </a:spcBef>
+              <a:buFont typeface="Arial" panose="020B0604020202020204" pitchFamily="34" charset="0"/>
+              <a:buChar char="•"/>
+              <a:defRPr sz="2400" kern="1200">
+                <a:solidFill>
+                  <a:schemeClr val="tx1">
+                    <a:lumMod val="75000"/>
+                    <a:lumOff val="25000"/>
+                  </a:schemeClr>
+                </a:solidFill>
+                <a:latin typeface="+mn-lt"/>
+                <a:ea typeface="+mn-ea"/>
+                <a:cs typeface="+mn-cs"/>
+              </a:defRPr>
+            </a:lvl2pPr>
+            <a:lvl3pPr marL="1143000" indent="-228600" algn="l" defTabSz="914400" rtl="0" eaLnBrk="1" latinLnBrk="0" hangingPunct="1">
+              <a:lnSpc>
+                <a:spcPct val="90000"/>
+              </a:lnSpc>
+              <a:spcBef>
+                <a:spcPts val="500"/>
+              </a:spcBef>
+              <a:buFont typeface="Arial" panose="020B0604020202020204" pitchFamily="34" charset="0"/>
+              <a:buChar char="•"/>
+              <a:defRPr sz="2000" kern="1200">
+                <a:solidFill>
+                  <a:schemeClr val="tx1">
+                    <a:lumMod val="75000"/>
+                    <a:lumOff val="25000"/>
+                  </a:schemeClr>
+                </a:solidFill>
+                <a:latin typeface="+mn-lt"/>
+                <a:ea typeface="+mn-ea"/>
+                <a:cs typeface="+mn-cs"/>
+              </a:defRPr>
+            </a:lvl3pPr>
+            <a:lvl4pPr marL="1600200" indent="-228600" algn="l" defTabSz="914400" rtl="0" eaLnBrk="1" latinLnBrk="0" hangingPunct="1">
+              <a:lnSpc>
+                <a:spcPct val="90000"/>
+              </a:lnSpc>
+              <a:spcBef>
+                <a:spcPts val="500"/>
+              </a:spcBef>
+              <a:buFont typeface="Arial" panose="020B0604020202020204" pitchFamily="34" charset="0"/>
+              <a:buChar char="•"/>
+              <a:defRPr sz="1800" kern="1200">
+                <a:solidFill>
+                  <a:schemeClr val="tx1">
+                    <a:lumMod val="75000"/>
+                    <a:lumOff val="25000"/>
+                  </a:schemeClr>
+                </a:solidFill>
+                <a:latin typeface="+mn-lt"/>
+                <a:ea typeface="+mn-ea"/>
+                <a:cs typeface="+mn-cs"/>
+              </a:defRPr>
+            </a:lvl4pPr>
+            <a:lvl5pPr marL="2057400" indent="-228600" algn="l" defTabSz="914400" rtl="0" eaLnBrk="1" latinLnBrk="0" hangingPunct="1">
+              <a:lnSpc>
+                <a:spcPct val="90000"/>
+              </a:lnSpc>
+              <a:spcBef>
+                <a:spcPts val="500"/>
+              </a:spcBef>
+              <a:buFont typeface="Arial" panose="020B0604020202020204" pitchFamily="34" charset="0"/>
+              <a:buChar char="•"/>
+              <a:defRPr sz="1800" kern="1200">
+                <a:solidFill>
+                  <a:schemeClr val="tx1">
+                    <a:lumMod val="75000"/>
+                    <a:lumOff val="25000"/>
+                  </a:schemeClr>
+                </a:solidFill>
+                <a:latin typeface="+mn-lt"/>
+                <a:ea typeface="+mn-ea"/>
+                <a:cs typeface="+mn-cs"/>
+              </a:defRPr>
+            </a:lvl5pPr>
+            <a:lvl6pPr marL="2514600" indent="-228600" algn="l" defTabSz="914400" rtl="0" eaLnBrk="1" latinLnBrk="0" hangingPunct="1">
+              <a:lnSpc>
+                <a:spcPct val="90000"/>
+              </a:lnSpc>
+              <a:spcBef>
+                <a:spcPts val="500"/>
+              </a:spcBef>
+              <a:buFont typeface="Arial" panose="020B0604020202020204" pitchFamily="34" charset="0"/>
+              <a:buChar char="•"/>
+              <a:defRPr sz="1800" kern="1200">
+                <a:solidFill>
+                  <a:schemeClr val="tx1"/>
+                </a:solidFill>
+                <a:latin typeface="+mn-lt"/>
+                <a:ea typeface="+mn-ea"/>
+                <a:cs typeface="+mn-cs"/>
+              </a:defRPr>
+            </a:lvl6pPr>
+            <a:lvl7pPr marL="2971800" indent="-228600" algn="l" defTabSz="914400" rtl="0" eaLnBrk="1" latinLnBrk="0" hangingPunct="1">
+              <a:lnSpc>
+                <a:spcPct val="90000"/>
+              </a:lnSpc>
+              <a:spcBef>
+                <a:spcPts val="500"/>
+              </a:spcBef>
+              <a:buFont typeface="Arial" panose="020B0604020202020204" pitchFamily="34" charset="0"/>
+              <a:buChar char="•"/>
+              <a:defRPr sz="1800" kern="1200">
+                <a:solidFill>
+                  <a:schemeClr val="tx1"/>
+                </a:solidFill>
+                <a:latin typeface="+mn-lt"/>
+                <a:ea typeface="+mn-ea"/>
+                <a:cs typeface="+mn-cs"/>
+              </a:defRPr>
+            </a:lvl7pPr>
+            <a:lvl8pPr marL="3429000" indent="-228600" algn="l" defTabSz="914400" rtl="0" eaLnBrk="1" latinLnBrk="0" hangingPunct="1">
+              <a:lnSpc>
+                <a:spcPct val="90000"/>
+              </a:lnSpc>
+              <a:spcBef>
+                <a:spcPts val="500"/>
+              </a:spcBef>
+              <a:buFont typeface="Arial" panose="020B0604020202020204" pitchFamily="34" charset="0"/>
+              <a:buChar char="•"/>
+              <a:defRPr sz="1800" kern="1200">
+                <a:solidFill>
+                  <a:schemeClr val="tx1"/>
+                </a:solidFill>
+                <a:latin typeface="+mn-lt"/>
+                <a:ea typeface="+mn-ea"/>
+                <a:cs typeface="+mn-cs"/>
+              </a:defRPr>
+            </a:lvl8pPr>
+            <a:lvl9pPr marL="3886200" indent="-228600" algn="l" defTabSz="914400" rtl="0" eaLnBrk="1" latinLnBrk="0" hangingPunct="1">
+              <a:lnSpc>
+                <a:spcPct val="90000"/>
+              </a:lnSpc>
+              <a:spcBef>
+                <a:spcPts val="500"/>
+              </a:spcBef>
+              <a:buFont typeface="Arial" panose="020B0604020202020204" pitchFamily="34" charset="0"/>
+              <a:buChar char="•"/>
+              <a:defRPr sz="1800" kern="1200">
+                <a:solidFill>
+                  <a:schemeClr val="tx1"/>
+                </a:solidFill>
+                <a:latin typeface="+mn-lt"/>
+                <a:ea typeface="+mn-ea"/>
+                <a:cs typeface="+mn-cs"/>
+              </a:defRPr>
+            </a:lvl9pPr>
+          </a:lstStyle>
+          <a:p>
+            <a:pPr marL="0" indent="0">
+              <a:buNone/>
+            </a:pPr>
+            <a:r>
+              <a:rPr lang="en-US" sz="2000" dirty="0"/>
+              <a:t>In the plot we can see that as the number of neighboring deliveries increases, the percentage of late deliveries also increases. This tells us that the higher the concentration or density of deliveries around you, the more likely it is that you will be late in reaching the final customer.</a:t>
+            </a:r>
+            <a:endParaRPr lang="en-EC" sz="2000" dirty="0"/>
+          </a:p>
+          <a:p>
+            <a:endParaRPr lang="en-EC" dirty="0"/>
+          </a:p>
+          <a:p>
+            <a:endParaRPr lang="en-EC" dirty="0"/>
           </a:p>
         </p:txBody>
       </p:sp>
     </p:spTree>
     <p:extLst>
       <p:ext uri="{BB962C8B-B14F-4D97-AF65-F5344CB8AC3E}">
-        <p14:creationId xmlns:p14="http://schemas.microsoft.com/office/powerpoint/2010/main" val="1113273334"/>
+        <p14:creationId xmlns:p14="http://schemas.microsoft.com/office/powerpoint/2010/main" val="407751719"/>
       </p:ext>
     </p:extLst>
   </p:cSld>
   <p:clrMapOvr>
     <a:masterClrMapping/>
   </p:clrMapOvr>
+  <p:transition spd="slow">
+    <p:wipe/>
+  </p:transition>
+</p:sld>
+</file>
+
+<file path=ppt/slides/slide7.xml><?xml version="1.0" encoding="utf-8"?>
+<p:sld xmlns:a="http://schemas.openxmlformats.org/drawingml/2006/main" xmlns:r="http://schemas.openxmlformats.org/officeDocument/2006/relationships" xmlns:p="http://schemas.openxmlformats.org/presentationml/2006/main">
+  <p:cSld>
+    <p:spTree>
+      <p:nvGrpSpPr>
+        <p:cNvPr id="1" name=""/>
+        <p:cNvGrpSpPr/>
+        <p:nvPr/>
+      </p:nvGrpSpPr>
+      <p:grpSpPr>
+        <a:xfrm>
+          <a:off x="0" y="0"/>
+          <a:ext cx="0" cy="0"/>
+          <a:chOff x="0" y="0"/>
+          <a:chExt cx="0" cy="0"/>
+        </a:xfrm>
+      </p:grpSpPr>
+      <p:sp>
+        <p:nvSpPr>
+          <p:cNvPr id="2" name="Title 1">
+            <a:extLst>
+              <a:ext uri="{FF2B5EF4-FFF2-40B4-BE49-F238E27FC236}">
+                <a16:creationId xmlns:a16="http://schemas.microsoft.com/office/drawing/2014/main" id="{E3A5A523-6296-444A-81DA-F099C31A22F2}"/>
+              </a:ext>
+            </a:extLst>
+          </p:cNvPr>
+          <p:cNvSpPr>
+            <a:spLocks noGrp="1"/>
+          </p:cNvSpPr>
+          <p:nvPr>
+            <p:ph type="title"/>
+          </p:nvPr>
+        </p:nvSpPr>
+        <p:spPr/>
+        <p:txBody>
+          <a:bodyPr/>
+          <a:lstStyle/>
+          <a:p>
+            <a:r>
+              <a:rPr lang="en-US" dirty="0"/>
+              <a:t>Plot of percentage differences</a:t>
+            </a:r>
+            <a:endParaRPr lang="en-EC" dirty="0"/>
+          </a:p>
+        </p:txBody>
+      </p:sp>
+      <p:sp>
+        <p:nvSpPr>
+          <p:cNvPr id="6" name="Content Placeholder 2">
+            <a:extLst>
+              <a:ext uri="{FF2B5EF4-FFF2-40B4-BE49-F238E27FC236}">
+                <a16:creationId xmlns:a16="http://schemas.microsoft.com/office/drawing/2014/main" id="{8A39CC90-2D2B-9844-8202-765473CAD73F}"/>
+              </a:ext>
+            </a:extLst>
+          </p:cNvPr>
+          <p:cNvSpPr txBox="1">
+            <a:spLocks/>
+          </p:cNvSpPr>
+          <p:nvPr/>
+        </p:nvSpPr>
+        <p:spPr>
+          <a:xfrm>
+            <a:off x="7021286" y="1847397"/>
+            <a:ext cx="4332514" cy="4351338"/>
+          </a:xfrm>
+          <a:prstGeom prst="rect">
+            <a:avLst/>
+          </a:prstGeom>
+        </p:spPr>
+        <p:txBody>
+          <a:bodyPr vert="horz" lIns="91440" tIns="45720" rIns="91440" bIns="45720" rtlCol="0">
+            <a:normAutofit/>
+          </a:bodyPr>
+          <a:lstStyle>
+            <a:lvl1pPr marL="228600" indent="-228600" algn="l" defTabSz="914400" rtl="0" eaLnBrk="1" latinLnBrk="0" hangingPunct="1">
+              <a:lnSpc>
+                <a:spcPct val="90000"/>
+              </a:lnSpc>
+              <a:spcBef>
+                <a:spcPts val="1000"/>
+              </a:spcBef>
+              <a:buFont typeface="Arial" panose="020B0604020202020204" pitchFamily="34" charset="0"/>
+              <a:buChar char="•"/>
+              <a:defRPr sz="2800" kern="1200">
+                <a:solidFill>
+                  <a:schemeClr val="tx1">
+                    <a:lumMod val="75000"/>
+                    <a:lumOff val="25000"/>
+                  </a:schemeClr>
+                </a:solidFill>
+                <a:latin typeface="+mn-lt"/>
+                <a:ea typeface="+mn-ea"/>
+                <a:cs typeface="+mn-cs"/>
+              </a:defRPr>
+            </a:lvl1pPr>
+            <a:lvl2pPr marL="685800" indent="-228600" algn="l" defTabSz="914400" rtl="0" eaLnBrk="1" latinLnBrk="0" hangingPunct="1">
+              <a:lnSpc>
+                <a:spcPct val="90000"/>
+              </a:lnSpc>
+              <a:spcBef>
+                <a:spcPts val="500"/>
+              </a:spcBef>
+              <a:buFont typeface="Arial" panose="020B0604020202020204" pitchFamily="34" charset="0"/>
+              <a:buChar char="•"/>
+              <a:defRPr sz="2400" kern="1200">
+                <a:solidFill>
+                  <a:schemeClr val="tx1">
+                    <a:lumMod val="75000"/>
+                    <a:lumOff val="25000"/>
+                  </a:schemeClr>
+                </a:solidFill>
+                <a:latin typeface="+mn-lt"/>
+                <a:ea typeface="+mn-ea"/>
+                <a:cs typeface="+mn-cs"/>
+              </a:defRPr>
+            </a:lvl2pPr>
+            <a:lvl3pPr marL="1143000" indent="-228600" algn="l" defTabSz="914400" rtl="0" eaLnBrk="1" latinLnBrk="0" hangingPunct="1">
+              <a:lnSpc>
+                <a:spcPct val="90000"/>
+              </a:lnSpc>
+              <a:spcBef>
+                <a:spcPts val="500"/>
+              </a:spcBef>
+              <a:buFont typeface="Arial" panose="020B0604020202020204" pitchFamily="34" charset="0"/>
+              <a:buChar char="•"/>
+              <a:defRPr sz="2000" kern="1200">
+                <a:solidFill>
+                  <a:schemeClr val="tx1">
+                    <a:lumMod val="75000"/>
+                    <a:lumOff val="25000"/>
+                  </a:schemeClr>
+                </a:solidFill>
+                <a:latin typeface="+mn-lt"/>
+                <a:ea typeface="+mn-ea"/>
+                <a:cs typeface="+mn-cs"/>
+              </a:defRPr>
+            </a:lvl3pPr>
+            <a:lvl4pPr marL="1600200" indent="-228600" algn="l" defTabSz="914400" rtl="0" eaLnBrk="1" latinLnBrk="0" hangingPunct="1">
+              <a:lnSpc>
+                <a:spcPct val="90000"/>
+              </a:lnSpc>
+              <a:spcBef>
+                <a:spcPts val="500"/>
+              </a:spcBef>
+              <a:buFont typeface="Arial" panose="020B0604020202020204" pitchFamily="34" charset="0"/>
+              <a:buChar char="•"/>
+              <a:defRPr sz="1800" kern="1200">
+                <a:solidFill>
+                  <a:schemeClr val="tx1">
+                    <a:lumMod val="75000"/>
+                    <a:lumOff val="25000"/>
+                  </a:schemeClr>
+                </a:solidFill>
+                <a:latin typeface="+mn-lt"/>
+                <a:ea typeface="+mn-ea"/>
+                <a:cs typeface="+mn-cs"/>
+              </a:defRPr>
+            </a:lvl4pPr>
+            <a:lvl5pPr marL="2057400" indent="-228600" algn="l" defTabSz="914400" rtl="0" eaLnBrk="1" latinLnBrk="0" hangingPunct="1">
+              <a:lnSpc>
+                <a:spcPct val="90000"/>
+              </a:lnSpc>
+              <a:spcBef>
+                <a:spcPts val="500"/>
+              </a:spcBef>
+              <a:buFont typeface="Arial" panose="020B0604020202020204" pitchFamily="34" charset="0"/>
+              <a:buChar char="•"/>
+              <a:defRPr sz="1800" kern="1200">
+                <a:solidFill>
+                  <a:schemeClr val="tx1">
+                    <a:lumMod val="75000"/>
+                    <a:lumOff val="25000"/>
+                  </a:schemeClr>
+                </a:solidFill>
+                <a:latin typeface="+mn-lt"/>
+                <a:ea typeface="+mn-ea"/>
+                <a:cs typeface="+mn-cs"/>
+              </a:defRPr>
+            </a:lvl5pPr>
+            <a:lvl6pPr marL="2514600" indent="-228600" algn="l" defTabSz="914400" rtl="0" eaLnBrk="1" latinLnBrk="0" hangingPunct="1">
+              <a:lnSpc>
+                <a:spcPct val="90000"/>
+              </a:lnSpc>
+              <a:spcBef>
+                <a:spcPts val="500"/>
+              </a:spcBef>
+              <a:buFont typeface="Arial" panose="020B0604020202020204" pitchFamily="34" charset="0"/>
+              <a:buChar char="•"/>
+              <a:defRPr sz="1800" kern="1200">
+                <a:solidFill>
+                  <a:schemeClr val="tx1"/>
+                </a:solidFill>
+                <a:latin typeface="+mn-lt"/>
+                <a:ea typeface="+mn-ea"/>
+                <a:cs typeface="+mn-cs"/>
+              </a:defRPr>
+            </a:lvl6pPr>
+            <a:lvl7pPr marL="2971800" indent="-228600" algn="l" defTabSz="914400" rtl="0" eaLnBrk="1" latinLnBrk="0" hangingPunct="1">
+              <a:lnSpc>
+                <a:spcPct val="90000"/>
+              </a:lnSpc>
+              <a:spcBef>
+                <a:spcPts val="500"/>
+              </a:spcBef>
+              <a:buFont typeface="Arial" panose="020B0604020202020204" pitchFamily="34" charset="0"/>
+              <a:buChar char="•"/>
+              <a:defRPr sz="1800" kern="1200">
+                <a:solidFill>
+                  <a:schemeClr val="tx1"/>
+                </a:solidFill>
+                <a:latin typeface="+mn-lt"/>
+                <a:ea typeface="+mn-ea"/>
+                <a:cs typeface="+mn-cs"/>
+              </a:defRPr>
+            </a:lvl7pPr>
+            <a:lvl8pPr marL="3429000" indent="-228600" algn="l" defTabSz="914400" rtl="0" eaLnBrk="1" latinLnBrk="0" hangingPunct="1">
+              <a:lnSpc>
+                <a:spcPct val="90000"/>
+              </a:lnSpc>
+              <a:spcBef>
+                <a:spcPts val="500"/>
+              </a:spcBef>
+              <a:buFont typeface="Arial" panose="020B0604020202020204" pitchFamily="34" charset="0"/>
+              <a:buChar char="•"/>
+              <a:defRPr sz="1800" kern="1200">
+                <a:solidFill>
+                  <a:schemeClr val="tx1"/>
+                </a:solidFill>
+                <a:latin typeface="+mn-lt"/>
+                <a:ea typeface="+mn-ea"/>
+                <a:cs typeface="+mn-cs"/>
+              </a:defRPr>
+            </a:lvl8pPr>
+            <a:lvl9pPr marL="3886200" indent="-228600" algn="l" defTabSz="914400" rtl="0" eaLnBrk="1" latinLnBrk="0" hangingPunct="1">
+              <a:lnSpc>
+                <a:spcPct val="90000"/>
+              </a:lnSpc>
+              <a:spcBef>
+                <a:spcPts val="500"/>
+              </a:spcBef>
+              <a:buFont typeface="Arial" panose="020B0604020202020204" pitchFamily="34" charset="0"/>
+              <a:buChar char="•"/>
+              <a:defRPr sz="1800" kern="1200">
+                <a:solidFill>
+                  <a:schemeClr val="tx1"/>
+                </a:solidFill>
+                <a:latin typeface="+mn-lt"/>
+                <a:ea typeface="+mn-ea"/>
+                <a:cs typeface="+mn-cs"/>
+              </a:defRPr>
+            </a:lvl9pPr>
+          </a:lstStyle>
+          <a:p>
+            <a:pPr marL="0" indent="0">
+              <a:buNone/>
+            </a:pPr>
+            <a:r>
+              <a:rPr lang="en-US" sz="2000" dirty="0"/>
+              <a:t>Here we can see more clearly how, as the number of neighboring deliveries increases, the difference between the percentage of overdue tasks minus those not overdue increases.</a:t>
+            </a:r>
+            <a:endParaRPr lang="en-EC" dirty="0"/>
+          </a:p>
+          <a:p>
+            <a:endParaRPr lang="en-EC" dirty="0"/>
+          </a:p>
+        </p:txBody>
+      </p:sp>
+      <p:pic>
+        <p:nvPicPr>
+          <p:cNvPr id="8" name="Content Placeholder 7" descr="Chart, bar chart&#10;&#10;Description automatically generated">
+            <a:extLst>
+              <a:ext uri="{FF2B5EF4-FFF2-40B4-BE49-F238E27FC236}">
+                <a16:creationId xmlns:a16="http://schemas.microsoft.com/office/drawing/2014/main" id="{A008C2DF-24CF-034B-8558-721899CC34CC}"/>
+              </a:ext>
+            </a:extLst>
+          </p:cNvPr>
+          <p:cNvPicPr>
+            <a:picLocks noGrp="1" noChangeAspect="1"/>
+          </p:cNvPicPr>
+          <p:nvPr>
+            <p:ph idx="1"/>
+          </p:nvPr>
+        </p:nvPicPr>
+        <p:blipFill>
+          <a:blip r:embed="rId2"/>
+          <a:stretch>
+            <a:fillRect/>
+          </a:stretch>
+        </p:blipFill>
+        <p:spPr>
+          <a:xfrm>
+            <a:off x="838199" y="1690688"/>
+            <a:ext cx="5733689" cy="4111398"/>
+          </a:xfrm>
+        </p:spPr>
+      </p:pic>
+    </p:spTree>
+    <p:extLst>
+      <p:ext uri="{BB962C8B-B14F-4D97-AF65-F5344CB8AC3E}">
+        <p14:creationId xmlns:p14="http://schemas.microsoft.com/office/powerpoint/2010/main" val="3091483840"/>
+      </p:ext>
+    </p:extLst>
+  </p:cSld>
+  <p:clrMapOvr>
+    <a:masterClrMapping/>
+  </p:clrMapOvr>
+  <p:transition spd="slow">
+    <p:wipe/>
+  </p:transition>
 </p:sld>
 </file>
 

--- a/Proyect/slides/Avance_1.pptx
+++ b/Proyect/slides/Avance_1.pptx
@@ -4304,15 +4304,7 @@
             </a:pPr>
             <a:r>
               <a:rPr lang="en-US" sz="2200" dirty="0"/>
-              <a:t>To carry out this analysis we first have to determine what would be the time window (hours) and radius (kilometers) around a task to be used. For this we analyzed </a:t>
-            </a:r>
-            <a:r>
-              <a:rPr lang="en-US" sz="2200"/>
-              <a:t>the distance </a:t>
-            </a:r>
-            <a:r>
-              <a:rPr lang="en-US" sz="2200" dirty="0"/>
-              <a:t>and average time difference of a route in the delivery path, from the first package to the last one. The following results were obtained:</a:t>
+              <a:t>To carry out this analysis we first have to determine what would be the time window (hours) and radius (kilometers) around a task to be used. For this we analyzed the distance and average time difference of a route in the delivery path, from the first package to the last one. The following results were obtained:</a:t>
             </a:r>
           </a:p>
           <a:p>
